--- a/Rust Report.pptx
+++ b/Rust Report.pptx
@@ -9857,7 +9857,7 @@
                 <a:cs typeface="微软雅黑" panose="020B0503020204020204" charset="-122"/>
                 <a:sym typeface="+mn-ea"/>
               </a:rPr>
-              <a:t>难题</a:t>
+              <a:t>难点</a:t>
             </a:r>
             <a:r>
               <a:rPr lang="en-US" altLang="zh-CN" sz="2500" b="1">

--- a/Rust Report.pptx
+++ b/Rust Report.pptx
@@ -3656,8 +3656,8 @@
         </p:nvSpPr>
         <p:spPr>
           <a:xfrm>
-            <a:off x="615315" y="812800"/>
-            <a:ext cx="10645775" cy="1250950"/>
+            <a:off x="465455" y="812800"/>
+            <a:ext cx="11260455" cy="1250950"/>
           </a:xfrm>
           <a:prstGeom prst="rect">
             <a:avLst/>
@@ -3690,7 +3690,7 @@
           </a:lstStyle>
           <a:p>
             <a:r>
-              <a:rPr lang="en-US" altLang="zh-CN" sz="5400" b="1">
+              <a:rPr lang="en-US" altLang="zh-CN" sz="4800" b="1">
                 <a:latin typeface="微软雅黑" panose="020B0503020204020204" charset="-122"/>
                 <a:ea typeface="微软雅黑" panose="020B0503020204020204" charset="-122"/>
                 <a:cs typeface="微软雅黑" panose="020B0503020204020204" charset="-122"/>
@@ -3698,14 +3698,14 @@
               <a:t>Rust SVE </a:t>
             </a:r>
             <a:r>
-              <a:rPr lang="zh-CN" altLang="en-US" sz="5400" b="1">
-                <a:latin typeface="微软雅黑" panose="020B0503020204020204" charset="-122"/>
-                <a:ea typeface="微软雅黑" panose="020B0503020204020204" charset="-122"/>
-                <a:cs typeface="微软雅黑" panose="020B0503020204020204" charset="-122"/>
-              </a:rPr>
-              <a:t>集成工作阶段性汇报</a:t>
-            </a:r>
-            <a:endParaRPr lang="zh-CN" altLang="en-US" sz="5400" b="1">
+              <a:rPr lang="zh-CN" altLang="en-US" sz="4800" b="1">
+                <a:latin typeface="微软雅黑" panose="020B0503020204020204" charset="-122"/>
+                <a:ea typeface="微软雅黑" panose="020B0503020204020204" charset="-122"/>
+                <a:cs typeface="微软雅黑" panose="020B0503020204020204" charset="-122"/>
+              </a:rPr>
+              <a:t>指令集支持工作阶段性汇报</a:t>
+            </a:r>
+            <a:endParaRPr lang="zh-CN" altLang="en-US" sz="4800" b="1">
               <a:latin typeface="微软雅黑" panose="020B0503020204020204" charset="-122"/>
               <a:ea typeface="微软雅黑" panose="020B0503020204020204" charset="-122"/>
               <a:cs typeface="微软雅黑" panose="020B0503020204020204" charset="-122"/>
